--- a/統計諮詢個人報告.pptx
+++ b/統計諮詢個人報告.pptx
@@ -4,6 +4,9 @@
   <p:sldMasterIdLst>
     <p:sldMasterId id="2147483660" r:id="rId1"/>
   </p:sldMasterIdLst>
+  <p:notesMasterIdLst>
+    <p:notesMasterId r:id="rId25"/>
+  </p:notesMasterIdLst>
   <p:sldIdLst>
     <p:sldId id="256" r:id="rId2"/>
     <p:sldId id="258" r:id="rId3"/>
@@ -134,6 +137,367 @@
 </p:presentation>
 </file>
 
+<file path=ppt/commentAuthors.xml><?xml version="1.0" encoding="utf-8"?>
+<p:cmAuthorLst xmlns:a="http://schemas.openxmlformats.org/drawingml/2006/main" xmlns:r="http://schemas.openxmlformats.org/officeDocument/2006/relationships" xmlns:p="http://schemas.openxmlformats.org/presentationml/2006/main">
+  <p:cmAuthor id="1" name="qqedison6829@gmail.com" initials="q" lastIdx="1" clrIdx="0">
+    <p:extLst>
+      <p:ext uri="{19B8F6BF-5375-455C-9EA6-DF929625EA0E}">
+        <p15:presenceInfo xmlns:p15="http://schemas.microsoft.com/office/powerpoint/2012/main" userId="7297a2332eca4591" providerId="Windows Live"/>
+      </p:ext>
+    </p:extLst>
+  </p:cmAuthor>
+</p:cmAuthorLst>
+</file>
+
+<file path=ppt/notesMasters/notesMaster1.xml><?xml version="1.0" encoding="utf-8"?>
+<p:notesMaster xmlns:a="http://schemas.openxmlformats.org/drawingml/2006/main" xmlns:r="http://schemas.openxmlformats.org/officeDocument/2006/relationships" xmlns:p="http://schemas.openxmlformats.org/presentationml/2006/main">
+  <p:cSld>
+    <p:bg>
+      <p:bgRef idx="1001">
+        <a:schemeClr val="bg1"/>
+      </p:bgRef>
+    </p:bg>
+    <p:spTree>
+      <p:nvGrpSpPr>
+        <p:cNvPr id="1" name=""/>
+        <p:cNvGrpSpPr/>
+        <p:nvPr/>
+      </p:nvGrpSpPr>
+      <p:grpSpPr>
+        <a:xfrm>
+          <a:off x="0" y="0"/>
+          <a:ext cx="0" cy="0"/>
+          <a:chOff x="0" y="0"/>
+          <a:chExt cx="0" cy="0"/>
+        </a:xfrm>
+      </p:grpSpPr>
+      <p:sp>
+        <p:nvSpPr>
+          <p:cNvPr id="2" name="頁首版面配置區 1"/>
+          <p:cNvSpPr>
+            <a:spLocks noGrp="1"/>
+          </p:cNvSpPr>
+          <p:nvPr>
+            <p:ph type="hdr" sz="quarter"/>
+          </p:nvPr>
+        </p:nvSpPr>
+        <p:spPr>
+          <a:xfrm>
+            <a:off x="0" y="0"/>
+            <a:ext cx="2971800" cy="458788"/>
+          </a:xfrm>
+          <a:prstGeom prst="rect">
+            <a:avLst/>
+          </a:prstGeom>
+        </p:spPr>
+        <p:txBody>
+          <a:bodyPr vert="horz" lIns="91440" tIns="45720" rIns="91440" bIns="45720" rtlCol="0"/>
+          <a:lstStyle>
+            <a:lvl1pPr algn="l">
+              <a:defRPr sz="1200"/>
+            </a:lvl1pPr>
+          </a:lstStyle>
+          <a:p>
+            <a:endParaRPr lang="zh-TW" altLang="en-US"/>
+          </a:p>
+        </p:txBody>
+      </p:sp>
+      <p:sp>
+        <p:nvSpPr>
+          <p:cNvPr id="3" name="日期版面配置區 2"/>
+          <p:cNvSpPr>
+            <a:spLocks noGrp="1"/>
+          </p:cNvSpPr>
+          <p:nvPr>
+            <p:ph type="dt" idx="1"/>
+          </p:nvPr>
+        </p:nvSpPr>
+        <p:spPr>
+          <a:xfrm>
+            <a:off x="3884613" y="0"/>
+            <a:ext cx="2971800" cy="458788"/>
+          </a:xfrm>
+          <a:prstGeom prst="rect">
+            <a:avLst/>
+          </a:prstGeom>
+        </p:spPr>
+        <p:txBody>
+          <a:bodyPr vert="horz" lIns="91440" tIns="45720" rIns="91440" bIns="45720" rtlCol="0"/>
+          <a:lstStyle>
+            <a:lvl1pPr algn="r">
+              <a:defRPr sz="1200"/>
+            </a:lvl1pPr>
+          </a:lstStyle>
+          <a:p>
+            <a:fld id="{AEA08E69-B645-4245-9D9F-FDE796AADAAF}" type="datetimeFigureOut">
+              <a:rPr lang="zh-TW" altLang="en-US" smtClean="0"/>
+              <a:t>2025/3/9</a:t>
+            </a:fld>
+            <a:endParaRPr lang="zh-TW" altLang="en-US"/>
+          </a:p>
+        </p:txBody>
+      </p:sp>
+      <p:sp>
+        <p:nvSpPr>
+          <p:cNvPr id="4" name="投影片影像版面配置區 3"/>
+          <p:cNvSpPr>
+            <a:spLocks noGrp="1" noRot="1" noChangeAspect="1"/>
+          </p:cNvSpPr>
+          <p:nvPr>
+            <p:ph type="sldImg" idx="2"/>
+          </p:nvPr>
+        </p:nvSpPr>
+        <p:spPr>
+          <a:xfrm>
+            <a:off x="685800" y="1143000"/>
+            <a:ext cx="5486400" cy="3086100"/>
+          </a:xfrm>
+          <a:prstGeom prst="rect">
+            <a:avLst/>
+          </a:prstGeom>
+          <a:noFill/>
+          <a:ln w="12700">
+            <a:solidFill>
+              <a:prstClr val="black"/>
+            </a:solidFill>
+          </a:ln>
+        </p:spPr>
+        <p:txBody>
+          <a:bodyPr vert="horz" lIns="91440" tIns="45720" rIns="91440" bIns="45720" rtlCol="0" anchor="ctr"/>
+          <a:lstStyle/>
+          <a:p>
+            <a:endParaRPr lang="zh-TW" altLang="en-US"/>
+          </a:p>
+        </p:txBody>
+      </p:sp>
+      <p:sp>
+        <p:nvSpPr>
+          <p:cNvPr id="5" name="備忘稿版面配置區 4"/>
+          <p:cNvSpPr>
+            <a:spLocks noGrp="1"/>
+          </p:cNvSpPr>
+          <p:nvPr>
+            <p:ph type="body" sz="quarter" idx="3"/>
+          </p:nvPr>
+        </p:nvSpPr>
+        <p:spPr>
+          <a:xfrm>
+            <a:off x="685800" y="4400550"/>
+            <a:ext cx="5486400" cy="3600450"/>
+          </a:xfrm>
+          <a:prstGeom prst="rect">
+            <a:avLst/>
+          </a:prstGeom>
+        </p:spPr>
+        <p:txBody>
+          <a:bodyPr vert="horz" lIns="91440" tIns="45720" rIns="91440" bIns="45720" rtlCol="0"/>
+          <a:lstStyle/>
+          <a:p>
+            <a:pPr lvl="0"/>
+            <a:r>
+              <a:rPr lang="zh-TW" altLang="en-US"/>
+              <a:t>按一下以編輯母片文字樣式</a:t>
+            </a:r>
+          </a:p>
+          <a:p>
+            <a:pPr lvl="1"/>
+            <a:r>
+              <a:rPr lang="zh-TW" altLang="en-US"/>
+              <a:t>第二層</a:t>
+            </a:r>
+          </a:p>
+          <a:p>
+            <a:pPr lvl="2"/>
+            <a:r>
+              <a:rPr lang="zh-TW" altLang="en-US"/>
+              <a:t>第三層</a:t>
+            </a:r>
+          </a:p>
+          <a:p>
+            <a:pPr lvl="3"/>
+            <a:r>
+              <a:rPr lang="zh-TW" altLang="en-US"/>
+              <a:t>第四層</a:t>
+            </a:r>
+          </a:p>
+          <a:p>
+            <a:pPr lvl="4"/>
+            <a:r>
+              <a:rPr lang="zh-TW" altLang="en-US"/>
+              <a:t>第五層</a:t>
+            </a:r>
+          </a:p>
+        </p:txBody>
+      </p:sp>
+      <p:sp>
+        <p:nvSpPr>
+          <p:cNvPr id="6" name="頁尾版面配置區 5"/>
+          <p:cNvSpPr>
+            <a:spLocks noGrp="1"/>
+          </p:cNvSpPr>
+          <p:nvPr>
+            <p:ph type="ftr" sz="quarter" idx="4"/>
+          </p:nvPr>
+        </p:nvSpPr>
+        <p:spPr>
+          <a:xfrm>
+            <a:off x="0" y="8685213"/>
+            <a:ext cx="2971800" cy="458787"/>
+          </a:xfrm>
+          <a:prstGeom prst="rect">
+            <a:avLst/>
+          </a:prstGeom>
+        </p:spPr>
+        <p:txBody>
+          <a:bodyPr vert="horz" lIns="91440" tIns="45720" rIns="91440" bIns="45720" rtlCol="0" anchor="b"/>
+          <a:lstStyle>
+            <a:lvl1pPr algn="l">
+              <a:defRPr sz="1200"/>
+            </a:lvl1pPr>
+          </a:lstStyle>
+          <a:p>
+            <a:endParaRPr lang="zh-TW" altLang="en-US"/>
+          </a:p>
+        </p:txBody>
+      </p:sp>
+      <p:sp>
+        <p:nvSpPr>
+          <p:cNvPr id="7" name="投影片編號版面配置區 6"/>
+          <p:cNvSpPr>
+            <a:spLocks noGrp="1"/>
+          </p:cNvSpPr>
+          <p:nvPr>
+            <p:ph type="sldNum" sz="quarter" idx="5"/>
+          </p:nvPr>
+        </p:nvSpPr>
+        <p:spPr>
+          <a:xfrm>
+            <a:off x="3884613" y="8685213"/>
+            <a:ext cx="2971800" cy="458787"/>
+          </a:xfrm>
+          <a:prstGeom prst="rect">
+            <a:avLst/>
+          </a:prstGeom>
+        </p:spPr>
+        <p:txBody>
+          <a:bodyPr vert="horz" lIns="91440" tIns="45720" rIns="91440" bIns="45720" rtlCol="0" anchor="b"/>
+          <a:lstStyle>
+            <a:lvl1pPr algn="r">
+              <a:defRPr sz="1200"/>
+            </a:lvl1pPr>
+          </a:lstStyle>
+          <a:p>
+            <a:fld id="{8D114853-E631-4A01-A756-E1AEE8287CFA}" type="slidenum">
+              <a:rPr lang="zh-TW" altLang="en-US" smtClean="0"/>
+              <a:t>‹#›</a:t>
+            </a:fld>
+            <a:endParaRPr lang="zh-TW" altLang="en-US"/>
+          </a:p>
+        </p:txBody>
+      </p:sp>
+    </p:spTree>
+    <p:extLst>
+      <p:ext uri="{BB962C8B-B14F-4D97-AF65-F5344CB8AC3E}">
+        <p14:creationId xmlns:p14="http://schemas.microsoft.com/office/powerpoint/2010/main" val="752361396"/>
+      </p:ext>
+    </p:extLst>
+  </p:cSld>
+  <p:clrMap bg1="lt1" tx1="dk1" bg2="lt2" tx2="dk2" accent1="accent1" accent2="accent2" accent3="accent3" accent4="accent4" accent5="accent5" accent6="accent6" hlink="hlink" folHlink="folHlink"/>
+  <p:notesStyle>
+    <a:lvl1pPr marL="0" algn="l" defTabSz="914400" rtl="0" eaLnBrk="1" latinLnBrk="0" hangingPunct="1">
+      <a:defRPr sz="1200" kern="1200">
+        <a:solidFill>
+          <a:schemeClr val="tx1"/>
+        </a:solidFill>
+        <a:latin typeface="+mn-lt"/>
+        <a:ea typeface="+mn-ea"/>
+        <a:cs typeface="+mn-cs"/>
+      </a:defRPr>
+    </a:lvl1pPr>
+    <a:lvl2pPr marL="457200" algn="l" defTabSz="914400" rtl="0" eaLnBrk="1" latinLnBrk="0" hangingPunct="1">
+      <a:defRPr sz="1200" kern="1200">
+        <a:solidFill>
+          <a:schemeClr val="tx1"/>
+        </a:solidFill>
+        <a:latin typeface="+mn-lt"/>
+        <a:ea typeface="+mn-ea"/>
+        <a:cs typeface="+mn-cs"/>
+      </a:defRPr>
+    </a:lvl2pPr>
+    <a:lvl3pPr marL="914400" algn="l" defTabSz="914400" rtl="0" eaLnBrk="1" latinLnBrk="0" hangingPunct="1">
+      <a:defRPr sz="1200" kern="1200">
+        <a:solidFill>
+          <a:schemeClr val="tx1"/>
+        </a:solidFill>
+        <a:latin typeface="+mn-lt"/>
+        <a:ea typeface="+mn-ea"/>
+        <a:cs typeface="+mn-cs"/>
+      </a:defRPr>
+    </a:lvl3pPr>
+    <a:lvl4pPr marL="1371600" algn="l" defTabSz="914400" rtl="0" eaLnBrk="1" latinLnBrk="0" hangingPunct="1">
+      <a:defRPr sz="1200" kern="1200">
+        <a:solidFill>
+          <a:schemeClr val="tx1"/>
+        </a:solidFill>
+        <a:latin typeface="+mn-lt"/>
+        <a:ea typeface="+mn-ea"/>
+        <a:cs typeface="+mn-cs"/>
+      </a:defRPr>
+    </a:lvl4pPr>
+    <a:lvl5pPr marL="1828800" algn="l" defTabSz="914400" rtl="0" eaLnBrk="1" latinLnBrk="0" hangingPunct="1">
+      <a:defRPr sz="1200" kern="1200">
+        <a:solidFill>
+          <a:schemeClr val="tx1"/>
+        </a:solidFill>
+        <a:latin typeface="+mn-lt"/>
+        <a:ea typeface="+mn-ea"/>
+        <a:cs typeface="+mn-cs"/>
+      </a:defRPr>
+    </a:lvl5pPr>
+    <a:lvl6pPr marL="2286000" algn="l" defTabSz="914400" rtl="0" eaLnBrk="1" latinLnBrk="0" hangingPunct="1">
+      <a:defRPr sz="1200" kern="1200">
+        <a:solidFill>
+          <a:schemeClr val="tx1"/>
+        </a:solidFill>
+        <a:latin typeface="+mn-lt"/>
+        <a:ea typeface="+mn-ea"/>
+        <a:cs typeface="+mn-cs"/>
+      </a:defRPr>
+    </a:lvl6pPr>
+    <a:lvl7pPr marL="2743200" algn="l" defTabSz="914400" rtl="0" eaLnBrk="1" latinLnBrk="0" hangingPunct="1">
+      <a:defRPr sz="1200" kern="1200">
+        <a:solidFill>
+          <a:schemeClr val="tx1"/>
+        </a:solidFill>
+        <a:latin typeface="+mn-lt"/>
+        <a:ea typeface="+mn-ea"/>
+        <a:cs typeface="+mn-cs"/>
+      </a:defRPr>
+    </a:lvl7pPr>
+    <a:lvl8pPr marL="3200400" algn="l" defTabSz="914400" rtl="0" eaLnBrk="1" latinLnBrk="0" hangingPunct="1">
+      <a:defRPr sz="1200" kern="1200">
+        <a:solidFill>
+          <a:schemeClr val="tx1"/>
+        </a:solidFill>
+        <a:latin typeface="+mn-lt"/>
+        <a:ea typeface="+mn-ea"/>
+        <a:cs typeface="+mn-cs"/>
+      </a:defRPr>
+    </a:lvl8pPr>
+    <a:lvl9pPr marL="3657600" algn="l" defTabSz="914400" rtl="0" eaLnBrk="1" latinLnBrk="0" hangingPunct="1">
+      <a:defRPr sz="1200" kern="1200">
+        <a:solidFill>
+          <a:schemeClr val="tx1"/>
+        </a:solidFill>
+        <a:latin typeface="+mn-lt"/>
+        <a:ea typeface="+mn-ea"/>
+        <a:cs typeface="+mn-cs"/>
+      </a:defRPr>
+    </a:lvl9pPr>
+  </p:notesStyle>
+</p:notesMaster>
+</file>
+
 <file path=ppt/slideLayouts/slideLayout1.xml><?xml version="1.0" encoding="utf-8"?>
 <p:sldLayout xmlns:a="http://schemas.openxmlformats.org/drawingml/2006/main" xmlns:r="http://schemas.openxmlformats.org/officeDocument/2006/relationships" xmlns:p="http://schemas.openxmlformats.org/presentationml/2006/main" showMasterSp="0" type="title" preserve="1">
   <p:cSld name="標題投影片">
@@ -358,9 +722,9 @@
           <a:bodyPr/>
           <a:lstStyle/>
           <a:p>
-            <a:fld id="{B7C9537C-95DD-41DD-A3FC-8E49DA57353A}" type="datetimeFigureOut">
+            <a:fld id="{3C90AD85-92AE-42D1-BF2D-C72F718E4FAA}" type="datetime1">
               <a:rPr lang="zh-TW" altLang="en-US" smtClean="0"/>
-              <a:t>2025/3/8</a:t>
+              <a:t>2025/3/9</a:t>
             </a:fld>
             <a:endParaRPr lang="zh-TW" altLang="en-US"/>
           </a:p>
@@ -566,9 +930,9 @@
           <a:bodyPr/>
           <a:lstStyle/>
           <a:p>
-            <a:fld id="{B7C9537C-95DD-41DD-A3FC-8E49DA57353A}" type="datetimeFigureOut">
+            <a:fld id="{F7F2EA35-469F-43FD-8BDC-A8BBAAA00660}" type="datetime1">
               <a:rPr lang="zh-TW" altLang="en-US" smtClean="0"/>
-              <a:t>2025/3/8</a:t>
+              <a:t>2025/3/9</a:t>
             </a:fld>
             <a:endParaRPr lang="zh-TW" altLang="en-US"/>
           </a:p>
@@ -822,9 +1186,9 @@
           <a:bodyPr/>
           <a:lstStyle/>
           <a:p>
-            <a:fld id="{B7C9537C-95DD-41DD-A3FC-8E49DA57353A}" type="datetimeFigureOut">
+            <a:fld id="{1F008C55-DE7A-4FEE-8A2E-A9F420D71881}" type="datetime1">
               <a:rPr lang="zh-TW" altLang="en-US" smtClean="0"/>
-              <a:t>2025/3/8</a:t>
+              <a:t>2025/3/9</a:t>
             </a:fld>
             <a:endParaRPr lang="zh-TW" altLang="en-US"/>
           </a:p>
@@ -996,9 +1360,9 @@
           <a:bodyPr/>
           <a:lstStyle/>
           <a:p>
-            <a:fld id="{B7C9537C-95DD-41DD-A3FC-8E49DA57353A}" type="datetimeFigureOut">
+            <a:fld id="{4590A6A6-51AF-44E9-A4A8-BE583061B34E}" type="datetime1">
               <a:rPr lang="zh-TW" altLang="en-US" smtClean="0"/>
-              <a:t>2025/3/8</a:t>
+              <a:t>2025/3/9</a:t>
             </a:fld>
             <a:endParaRPr lang="zh-TW" altLang="en-US"/>
           </a:p>
@@ -1339,9 +1703,9 @@
           <a:bodyPr/>
           <a:lstStyle/>
           <a:p>
-            <a:fld id="{B7C9537C-95DD-41DD-A3FC-8E49DA57353A}" type="datetimeFigureOut">
+            <a:fld id="{9E094F9C-2198-4445-9FDF-7629C3F620B4}" type="datetime1">
               <a:rPr lang="zh-TW" altLang="en-US" smtClean="0"/>
-              <a:t>2025/3/8</a:t>
+              <a:t>2025/3/9</a:t>
             </a:fld>
             <a:endParaRPr lang="zh-TW" altLang="en-US"/>
           </a:p>
@@ -1614,9 +1978,9 @@
           <a:bodyPr/>
           <a:lstStyle/>
           <a:p>
-            <a:fld id="{B7C9537C-95DD-41DD-A3FC-8E49DA57353A}" type="datetimeFigureOut">
+            <a:fld id="{E2D7003D-1C57-4A44-970E-A1C7EB78E5A2}" type="datetime1">
               <a:rPr lang="zh-TW" altLang="en-US" smtClean="0"/>
-              <a:t>2025/3/8</a:t>
+              <a:t>2025/3/9</a:t>
             </a:fld>
             <a:endParaRPr lang="zh-TW" altLang="en-US"/>
           </a:p>
@@ -1993,9 +2357,9 @@
           <a:bodyPr/>
           <a:lstStyle/>
           <a:p>
-            <a:fld id="{B7C9537C-95DD-41DD-A3FC-8E49DA57353A}" type="datetimeFigureOut">
+            <a:fld id="{6BA0B4DF-92EA-4D08-A735-72231B35853C}" type="datetime1">
               <a:rPr lang="zh-TW" altLang="en-US" smtClean="0"/>
-              <a:t>2025/3/8</a:t>
+              <a:t>2025/3/9</a:t>
             </a:fld>
             <a:endParaRPr lang="zh-TW" altLang="en-US"/>
           </a:p>
@@ -2111,9 +2475,9 @@
           <a:bodyPr/>
           <a:lstStyle/>
           <a:p>
-            <a:fld id="{B7C9537C-95DD-41DD-A3FC-8E49DA57353A}" type="datetimeFigureOut">
+            <a:fld id="{B63CE7CD-4879-432D-8299-71BEB2FDF0D7}" type="datetime1">
               <a:rPr lang="zh-TW" altLang="en-US" smtClean="0"/>
-              <a:t>2025/3/8</a:t>
+              <a:t>2025/3/9</a:t>
             </a:fld>
             <a:endParaRPr lang="zh-TW" altLang="en-US"/>
           </a:p>
@@ -2282,9 +2646,9 @@
           <a:bodyPr/>
           <a:lstStyle/>
           <a:p>
-            <a:fld id="{B7C9537C-95DD-41DD-A3FC-8E49DA57353A}" type="datetimeFigureOut">
+            <a:fld id="{F31C7C80-2384-465A-BAA3-90DA17A5BE14}" type="datetime1">
               <a:rPr lang="zh-TW" altLang="en-US" smtClean="0"/>
-              <a:t>2025/3/8</a:t>
+              <a:t>2025/3/9</a:t>
             </a:fld>
             <a:endParaRPr lang="zh-TW" altLang="en-US"/>
           </a:p>
@@ -2636,9 +3000,9 @@
             </a:lvl1pPr>
           </a:lstStyle>
           <a:p>
-            <a:fld id="{B7C9537C-95DD-41DD-A3FC-8E49DA57353A}" type="datetimeFigureOut">
+            <a:fld id="{58810B16-8941-42A1-9219-A8C9CAC850B1}" type="datetime1">
               <a:rPr lang="zh-TW" altLang="en-US" smtClean="0"/>
-              <a:t>2025/3/8</a:t>
+              <a:t>2025/3/9</a:t>
             </a:fld>
             <a:endParaRPr lang="zh-TW" altLang="en-US"/>
           </a:p>
@@ -3018,9 +3382,9 @@
           <a:bodyPr/>
           <a:lstStyle/>
           <a:p>
-            <a:fld id="{B7C9537C-95DD-41DD-A3FC-8E49DA57353A}" type="datetimeFigureOut">
+            <a:fld id="{D7668EA0-7FC7-4515-BF06-75BA8CF0E02F}" type="datetime1">
               <a:rPr lang="zh-TW" altLang="en-US" smtClean="0"/>
-              <a:t>2025/3/8</a:t>
+              <a:t>2025/3/9</a:t>
             </a:fld>
             <a:endParaRPr lang="zh-TW" altLang="en-US"/>
           </a:p>
@@ -3305,9 +3669,9 @@
             </a:lvl1pPr>
           </a:lstStyle>
           <a:p>
-            <a:fld id="{B7C9537C-95DD-41DD-A3FC-8E49DA57353A}" type="datetimeFigureOut">
+            <a:fld id="{69CE20A9-8512-447A-A0D8-5D63862A003B}" type="datetime1">
               <a:rPr lang="zh-TW" altLang="en-US" smtClean="0"/>
-              <a:t>2025/3/8</a:t>
+              <a:t>2025/3/9</a:t>
             </a:fld>
             <a:endParaRPr lang="zh-TW" altLang="en-US"/>
           </a:p>
@@ -3446,6 +3810,7 @@
     <p:sldLayoutId id="2147483670" r:id="rId10"/>
     <p:sldLayoutId id="2147483671" r:id="rId11"/>
   </p:sldLayoutIdLst>
+  <p:hf hdr="0" ftr="0" dt="0"/>
   <p:txStyles>
     <p:titleStyle>
       <a:lvl1pPr algn="l" defTabSz="914400" rtl="0" eaLnBrk="1" latinLnBrk="0" hangingPunct="1">
@@ -3932,6 +4297,35 @@
           </a:p>
         </p:txBody>
       </p:sp>
+      <p:sp>
+        <p:nvSpPr>
+          <p:cNvPr id="4" name="投影片編號版面配置區 3">
+            <a:extLst>
+              <a:ext uri="{FF2B5EF4-FFF2-40B4-BE49-F238E27FC236}">
+                <a16:creationId xmlns:a16="http://schemas.microsoft.com/office/drawing/2014/main" id="{6A4BC186-4F4D-4D4F-A244-11C45803064C}"/>
+              </a:ext>
+            </a:extLst>
+          </p:cNvPr>
+          <p:cNvSpPr>
+            <a:spLocks noGrp="1"/>
+          </p:cNvSpPr>
+          <p:nvPr>
+            <p:ph type="sldNum" sz="quarter" idx="12"/>
+          </p:nvPr>
+        </p:nvSpPr>
+        <p:spPr/>
+        <p:txBody>
+          <a:bodyPr/>
+          <a:lstStyle/>
+          <a:p>
+            <a:fld id="{6A790173-CFA3-4DF2-B34C-86F46C1FD9D8}" type="slidenum">
+              <a:rPr lang="zh-TW" altLang="en-US" smtClean="0"/>
+              <a:t>1</a:t>
+            </a:fld>
+            <a:endParaRPr lang="zh-TW" altLang="en-US"/>
+          </a:p>
+        </p:txBody>
+      </p:sp>
     </p:spTree>
     <p:extLst>
       <p:ext uri="{BB962C8B-B14F-4D97-AF65-F5344CB8AC3E}">
@@ -4084,6 +4478,35 @@
           </a:ln>
         </p:spPr>
       </p:pic>
+      <p:sp>
+        <p:nvSpPr>
+          <p:cNvPr id="4" name="投影片編號版面配置區 3">
+            <a:extLst>
+              <a:ext uri="{FF2B5EF4-FFF2-40B4-BE49-F238E27FC236}">
+                <a16:creationId xmlns:a16="http://schemas.microsoft.com/office/drawing/2014/main" id="{56B7B631-7E7A-47FA-9C0B-1B71032E0BE1}"/>
+              </a:ext>
+            </a:extLst>
+          </p:cNvPr>
+          <p:cNvSpPr>
+            <a:spLocks noGrp="1"/>
+          </p:cNvSpPr>
+          <p:nvPr>
+            <p:ph type="sldNum" sz="quarter" idx="12"/>
+          </p:nvPr>
+        </p:nvSpPr>
+        <p:spPr/>
+        <p:txBody>
+          <a:bodyPr/>
+          <a:lstStyle/>
+          <a:p>
+            <a:fld id="{6A790173-CFA3-4DF2-B34C-86F46C1FD9D8}" type="slidenum">
+              <a:rPr lang="zh-TW" altLang="en-US" smtClean="0"/>
+              <a:t>10</a:t>
+            </a:fld>
+            <a:endParaRPr lang="zh-TW" altLang="en-US"/>
+          </a:p>
+        </p:txBody>
+      </p:sp>
     </p:spTree>
     <p:extLst>
       <p:ext uri="{BB962C8B-B14F-4D97-AF65-F5344CB8AC3E}">
@@ -4203,6 +4626,35 @@
           </a:ln>
         </p:spPr>
       </p:pic>
+      <p:sp>
+        <p:nvSpPr>
+          <p:cNvPr id="4" name="投影片編號版面配置區 3">
+            <a:extLst>
+              <a:ext uri="{FF2B5EF4-FFF2-40B4-BE49-F238E27FC236}">
+                <a16:creationId xmlns:a16="http://schemas.microsoft.com/office/drawing/2014/main" id="{C7A02C36-3F25-4257-97A4-B71944DDD5D1}"/>
+              </a:ext>
+            </a:extLst>
+          </p:cNvPr>
+          <p:cNvSpPr>
+            <a:spLocks noGrp="1"/>
+          </p:cNvSpPr>
+          <p:nvPr>
+            <p:ph type="sldNum" sz="quarter" idx="12"/>
+          </p:nvPr>
+        </p:nvSpPr>
+        <p:spPr/>
+        <p:txBody>
+          <a:bodyPr/>
+          <a:lstStyle/>
+          <a:p>
+            <a:fld id="{6A790173-CFA3-4DF2-B34C-86F46C1FD9D8}" type="slidenum">
+              <a:rPr lang="zh-TW" altLang="en-US" smtClean="0"/>
+              <a:t>11</a:t>
+            </a:fld>
+            <a:endParaRPr lang="zh-TW" altLang="en-US"/>
+          </a:p>
+        </p:txBody>
+      </p:sp>
     </p:spTree>
     <p:extLst>
       <p:ext uri="{BB962C8B-B14F-4D97-AF65-F5344CB8AC3E}">
@@ -4322,6 +4774,35 @@
           </a:ln>
         </p:spPr>
       </p:pic>
+      <p:sp>
+        <p:nvSpPr>
+          <p:cNvPr id="4" name="投影片編號版面配置區 3">
+            <a:extLst>
+              <a:ext uri="{FF2B5EF4-FFF2-40B4-BE49-F238E27FC236}">
+                <a16:creationId xmlns:a16="http://schemas.microsoft.com/office/drawing/2014/main" id="{03DC425D-62EE-45FF-92F5-8ABFDF1D0978}"/>
+              </a:ext>
+            </a:extLst>
+          </p:cNvPr>
+          <p:cNvSpPr>
+            <a:spLocks noGrp="1"/>
+          </p:cNvSpPr>
+          <p:nvPr>
+            <p:ph type="sldNum" sz="quarter" idx="12"/>
+          </p:nvPr>
+        </p:nvSpPr>
+        <p:spPr/>
+        <p:txBody>
+          <a:bodyPr/>
+          <a:lstStyle/>
+          <a:p>
+            <a:fld id="{6A790173-CFA3-4DF2-B34C-86F46C1FD9D8}" type="slidenum">
+              <a:rPr lang="zh-TW" altLang="en-US" smtClean="0"/>
+              <a:t>12</a:t>
+            </a:fld>
+            <a:endParaRPr lang="zh-TW" altLang="en-US"/>
+          </a:p>
+        </p:txBody>
+      </p:sp>
     </p:spTree>
     <p:extLst>
       <p:ext uri="{BB962C8B-B14F-4D97-AF65-F5344CB8AC3E}">
@@ -4441,6 +4922,35 @@
           </a:ln>
         </p:spPr>
       </p:pic>
+      <p:sp>
+        <p:nvSpPr>
+          <p:cNvPr id="4" name="投影片編號版面配置區 3">
+            <a:extLst>
+              <a:ext uri="{FF2B5EF4-FFF2-40B4-BE49-F238E27FC236}">
+                <a16:creationId xmlns:a16="http://schemas.microsoft.com/office/drawing/2014/main" id="{F3328795-963E-4F70-95FC-E7AFB1BCD0CD}"/>
+              </a:ext>
+            </a:extLst>
+          </p:cNvPr>
+          <p:cNvSpPr>
+            <a:spLocks noGrp="1"/>
+          </p:cNvSpPr>
+          <p:nvPr>
+            <p:ph type="sldNum" sz="quarter" idx="12"/>
+          </p:nvPr>
+        </p:nvSpPr>
+        <p:spPr/>
+        <p:txBody>
+          <a:bodyPr/>
+          <a:lstStyle/>
+          <a:p>
+            <a:fld id="{6A790173-CFA3-4DF2-B34C-86F46C1FD9D8}" type="slidenum">
+              <a:rPr lang="zh-TW" altLang="en-US" smtClean="0"/>
+              <a:t>13</a:t>
+            </a:fld>
+            <a:endParaRPr lang="zh-TW" altLang="en-US"/>
+          </a:p>
+        </p:txBody>
+      </p:sp>
     </p:spTree>
     <p:extLst>
       <p:ext uri="{BB962C8B-B14F-4D97-AF65-F5344CB8AC3E}">
@@ -4560,6 +5070,35 @@
           </a:ln>
         </p:spPr>
       </p:pic>
+      <p:sp>
+        <p:nvSpPr>
+          <p:cNvPr id="4" name="投影片編號版面配置區 3">
+            <a:extLst>
+              <a:ext uri="{FF2B5EF4-FFF2-40B4-BE49-F238E27FC236}">
+                <a16:creationId xmlns:a16="http://schemas.microsoft.com/office/drawing/2014/main" id="{935F0F94-7DE1-42AD-85E3-6986B613898A}"/>
+              </a:ext>
+            </a:extLst>
+          </p:cNvPr>
+          <p:cNvSpPr>
+            <a:spLocks noGrp="1"/>
+          </p:cNvSpPr>
+          <p:nvPr>
+            <p:ph type="sldNum" sz="quarter" idx="12"/>
+          </p:nvPr>
+        </p:nvSpPr>
+        <p:spPr/>
+        <p:txBody>
+          <a:bodyPr/>
+          <a:lstStyle/>
+          <a:p>
+            <a:fld id="{6A790173-CFA3-4DF2-B34C-86F46C1FD9D8}" type="slidenum">
+              <a:rPr lang="zh-TW" altLang="en-US" smtClean="0"/>
+              <a:t>14</a:t>
+            </a:fld>
+            <a:endParaRPr lang="zh-TW" altLang="en-US"/>
+          </a:p>
+        </p:txBody>
+      </p:sp>
     </p:spTree>
     <p:extLst>
       <p:ext uri="{BB962C8B-B14F-4D97-AF65-F5344CB8AC3E}">
@@ -4679,6 +5218,35 @@
           </a:ln>
         </p:spPr>
       </p:pic>
+      <p:sp>
+        <p:nvSpPr>
+          <p:cNvPr id="4" name="投影片編號版面配置區 3">
+            <a:extLst>
+              <a:ext uri="{FF2B5EF4-FFF2-40B4-BE49-F238E27FC236}">
+                <a16:creationId xmlns:a16="http://schemas.microsoft.com/office/drawing/2014/main" id="{7C45E687-AF47-487F-A1F1-411135F32C66}"/>
+              </a:ext>
+            </a:extLst>
+          </p:cNvPr>
+          <p:cNvSpPr>
+            <a:spLocks noGrp="1"/>
+          </p:cNvSpPr>
+          <p:nvPr>
+            <p:ph type="sldNum" sz="quarter" idx="12"/>
+          </p:nvPr>
+        </p:nvSpPr>
+        <p:spPr/>
+        <p:txBody>
+          <a:bodyPr/>
+          <a:lstStyle/>
+          <a:p>
+            <a:fld id="{6A790173-CFA3-4DF2-B34C-86F46C1FD9D8}" type="slidenum">
+              <a:rPr lang="zh-TW" altLang="en-US" smtClean="0"/>
+              <a:t>15</a:t>
+            </a:fld>
+            <a:endParaRPr lang="zh-TW" altLang="en-US"/>
+          </a:p>
+        </p:txBody>
+      </p:sp>
     </p:spTree>
     <p:extLst>
       <p:ext uri="{BB962C8B-B14F-4D97-AF65-F5344CB8AC3E}">
@@ -4798,6 +5366,35 @@
           </a:ln>
         </p:spPr>
       </p:pic>
+      <p:sp>
+        <p:nvSpPr>
+          <p:cNvPr id="4" name="投影片編號版面配置區 3">
+            <a:extLst>
+              <a:ext uri="{FF2B5EF4-FFF2-40B4-BE49-F238E27FC236}">
+                <a16:creationId xmlns:a16="http://schemas.microsoft.com/office/drawing/2014/main" id="{DB174CA4-2E85-4EAD-B140-C8D4EA57857D}"/>
+              </a:ext>
+            </a:extLst>
+          </p:cNvPr>
+          <p:cNvSpPr>
+            <a:spLocks noGrp="1"/>
+          </p:cNvSpPr>
+          <p:nvPr>
+            <p:ph type="sldNum" sz="quarter" idx="12"/>
+          </p:nvPr>
+        </p:nvSpPr>
+        <p:spPr/>
+        <p:txBody>
+          <a:bodyPr/>
+          <a:lstStyle/>
+          <a:p>
+            <a:fld id="{6A790173-CFA3-4DF2-B34C-86F46C1FD9D8}" type="slidenum">
+              <a:rPr lang="zh-TW" altLang="en-US" smtClean="0"/>
+              <a:t>16</a:t>
+            </a:fld>
+            <a:endParaRPr lang="zh-TW" altLang="en-US"/>
+          </a:p>
+        </p:txBody>
+      </p:sp>
     </p:spTree>
     <p:extLst>
       <p:ext uri="{BB962C8B-B14F-4D97-AF65-F5344CB8AC3E}">
@@ -4917,6 +5514,35 @@
           </a:ln>
         </p:spPr>
       </p:pic>
+      <p:sp>
+        <p:nvSpPr>
+          <p:cNvPr id="4" name="投影片編號版面配置區 3">
+            <a:extLst>
+              <a:ext uri="{FF2B5EF4-FFF2-40B4-BE49-F238E27FC236}">
+                <a16:creationId xmlns:a16="http://schemas.microsoft.com/office/drawing/2014/main" id="{E74AF804-BF12-4D88-930D-DDC483521896}"/>
+              </a:ext>
+            </a:extLst>
+          </p:cNvPr>
+          <p:cNvSpPr>
+            <a:spLocks noGrp="1"/>
+          </p:cNvSpPr>
+          <p:nvPr>
+            <p:ph type="sldNum" sz="quarter" idx="12"/>
+          </p:nvPr>
+        </p:nvSpPr>
+        <p:spPr/>
+        <p:txBody>
+          <a:bodyPr/>
+          <a:lstStyle/>
+          <a:p>
+            <a:fld id="{6A790173-CFA3-4DF2-B34C-86F46C1FD9D8}" type="slidenum">
+              <a:rPr lang="zh-TW" altLang="en-US" smtClean="0"/>
+              <a:t>17</a:t>
+            </a:fld>
+            <a:endParaRPr lang="zh-TW" altLang="en-US"/>
+          </a:p>
+        </p:txBody>
+      </p:sp>
     </p:spTree>
     <p:extLst>
       <p:ext uri="{BB962C8B-B14F-4D97-AF65-F5344CB8AC3E}">
@@ -5036,6 +5662,35 @@
           </a:ln>
         </p:spPr>
       </p:pic>
+      <p:sp>
+        <p:nvSpPr>
+          <p:cNvPr id="4" name="投影片編號版面配置區 3">
+            <a:extLst>
+              <a:ext uri="{FF2B5EF4-FFF2-40B4-BE49-F238E27FC236}">
+                <a16:creationId xmlns:a16="http://schemas.microsoft.com/office/drawing/2014/main" id="{2AD31F77-5622-44EF-8D5E-C95982CD137C}"/>
+              </a:ext>
+            </a:extLst>
+          </p:cNvPr>
+          <p:cNvSpPr>
+            <a:spLocks noGrp="1"/>
+          </p:cNvSpPr>
+          <p:nvPr>
+            <p:ph type="sldNum" sz="quarter" idx="12"/>
+          </p:nvPr>
+        </p:nvSpPr>
+        <p:spPr/>
+        <p:txBody>
+          <a:bodyPr/>
+          <a:lstStyle/>
+          <a:p>
+            <a:fld id="{6A790173-CFA3-4DF2-B34C-86F46C1FD9D8}" type="slidenum">
+              <a:rPr lang="zh-TW" altLang="en-US" smtClean="0"/>
+              <a:t>18</a:t>
+            </a:fld>
+            <a:endParaRPr lang="zh-TW" altLang="en-US"/>
+          </a:p>
+        </p:txBody>
+      </p:sp>
     </p:spTree>
     <p:extLst>
       <p:ext uri="{BB962C8B-B14F-4D97-AF65-F5344CB8AC3E}">
@@ -5155,6 +5810,35 @@
           </a:ln>
         </p:spPr>
       </p:pic>
+      <p:sp>
+        <p:nvSpPr>
+          <p:cNvPr id="4" name="投影片編號版面配置區 3">
+            <a:extLst>
+              <a:ext uri="{FF2B5EF4-FFF2-40B4-BE49-F238E27FC236}">
+                <a16:creationId xmlns:a16="http://schemas.microsoft.com/office/drawing/2014/main" id="{B67C283A-8EFC-4F5E-B731-D1DD2A648CF1}"/>
+              </a:ext>
+            </a:extLst>
+          </p:cNvPr>
+          <p:cNvSpPr>
+            <a:spLocks noGrp="1"/>
+          </p:cNvSpPr>
+          <p:nvPr>
+            <p:ph type="sldNum" sz="quarter" idx="12"/>
+          </p:nvPr>
+        </p:nvSpPr>
+        <p:spPr/>
+        <p:txBody>
+          <a:bodyPr/>
+          <a:lstStyle/>
+          <a:p>
+            <a:fld id="{6A790173-CFA3-4DF2-B34C-86F46C1FD9D8}" type="slidenum">
+              <a:rPr lang="zh-TW" altLang="en-US" smtClean="0"/>
+              <a:t>19</a:t>
+            </a:fld>
+            <a:endParaRPr lang="zh-TW" altLang="en-US"/>
+          </a:p>
+        </p:txBody>
+      </p:sp>
     </p:spTree>
     <p:extLst>
       <p:ext uri="{BB962C8B-B14F-4D97-AF65-F5344CB8AC3E}">
@@ -6047,6 +6731,35 @@
           </p:sp>
         </mc:Fallback>
       </mc:AlternateContent>
+      <p:sp>
+        <p:nvSpPr>
+          <p:cNvPr id="4" name="投影片編號版面配置區 3">
+            <a:extLst>
+              <a:ext uri="{FF2B5EF4-FFF2-40B4-BE49-F238E27FC236}">
+                <a16:creationId xmlns:a16="http://schemas.microsoft.com/office/drawing/2014/main" id="{663947D9-4F15-49BA-94A4-A08413B27192}"/>
+              </a:ext>
+            </a:extLst>
+          </p:cNvPr>
+          <p:cNvSpPr>
+            <a:spLocks noGrp="1"/>
+          </p:cNvSpPr>
+          <p:nvPr>
+            <p:ph type="sldNum" sz="quarter" idx="12"/>
+          </p:nvPr>
+        </p:nvSpPr>
+        <p:spPr/>
+        <p:txBody>
+          <a:bodyPr/>
+          <a:lstStyle/>
+          <a:p>
+            <a:fld id="{6A790173-CFA3-4DF2-B34C-86F46C1FD9D8}" type="slidenum">
+              <a:rPr lang="zh-TW" altLang="en-US" smtClean="0"/>
+              <a:t>2</a:t>
+            </a:fld>
+            <a:endParaRPr lang="zh-TW" altLang="en-US"/>
+          </a:p>
+        </p:txBody>
+      </p:sp>
     </p:spTree>
     <p:extLst>
       <p:ext uri="{BB962C8B-B14F-4D97-AF65-F5344CB8AC3E}">
@@ -6166,6 +6879,35 @@
           </a:ln>
         </p:spPr>
       </p:pic>
+      <p:sp>
+        <p:nvSpPr>
+          <p:cNvPr id="4" name="投影片編號版面配置區 3">
+            <a:extLst>
+              <a:ext uri="{FF2B5EF4-FFF2-40B4-BE49-F238E27FC236}">
+                <a16:creationId xmlns:a16="http://schemas.microsoft.com/office/drawing/2014/main" id="{8482C4B6-67A5-4C81-A0F9-519E990AC047}"/>
+              </a:ext>
+            </a:extLst>
+          </p:cNvPr>
+          <p:cNvSpPr>
+            <a:spLocks noGrp="1"/>
+          </p:cNvSpPr>
+          <p:nvPr>
+            <p:ph type="sldNum" sz="quarter" idx="12"/>
+          </p:nvPr>
+        </p:nvSpPr>
+        <p:spPr/>
+        <p:txBody>
+          <a:bodyPr/>
+          <a:lstStyle/>
+          <a:p>
+            <a:fld id="{6A790173-CFA3-4DF2-B34C-86F46C1FD9D8}" type="slidenum">
+              <a:rPr lang="zh-TW" altLang="en-US" smtClean="0"/>
+              <a:t>20</a:t>
+            </a:fld>
+            <a:endParaRPr lang="zh-TW" altLang="en-US"/>
+          </a:p>
+        </p:txBody>
+      </p:sp>
     </p:spTree>
     <p:extLst>
       <p:ext uri="{BB962C8B-B14F-4D97-AF65-F5344CB8AC3E}">
@@ -6285,6 +7027,35 @@
           </a:ln>
         </p:spPr>
       </p:pic>
+      <p:sp>
+        <p:nvSpPr>
+          <p:cNvPr id="4" name="投影片編號版面配置區 3">
+            <a:extLst>
+              <a:ext uri="{FF2B5EF4-FFF2-40B4-BE49-F238E27FC236}">
+                <a16:creationId xmlns:a16="http://schemas.microsoft.com/office/drawing/2014/main" id="{0009EE81-FB2C-4B7B-8212-0BA5D774C502}"/>
+              </a:ext>
+            </a:extLst>
+          </p:cNvPr>
+          <p:cNvSpPr>
+            <a:spLocks noGrp="1"/>
+          </p:cNvSpPr>
+          <p:nvPr>
+            <p:ph type="sldNum" sz="quarter" idx="12"/>
+          </p:nvPr>
+        </p:nvSpPr>
+        <p:spPr/>
+        <p:txBody>
+          <a:bodyPr/>
+          <a:lstStyle/>
+          <a:p>
+            <a:fld id="{6A790173-CFA3-4DF2-B34C-86F46C1FD9D8}" type="slidenum">
+              <a:rPr lang="zh-TW" altLang="en-US" smtClean="0"/>
+              <a:t>21</a:t>
+            </a:fld>
+            <a:endParaRPr lang="zh-TW" altLang="en-US"/>
+          </a:p>
+        </p:txBody>
+      </p:sp>
     </p:spTree>
     <p:extLst>
       <p:ext uri="{BB962C8B-B14F-4D97-AF65-F5344CB8AC3E}">
@@ -6416,6 +7187,35 @@
           </a:p>
         </p:txBody>
       </p:sp>
+      <p:sp>
+        <p:nvSpPr>
+          <p:cNvPr id="4" name="投影片編號版面配置區 3">
+            <a:extLst>
+              <a:ext uri="{FF2B5EF4-FFF2-40B4-BE49-F238E27FC236}">
+                <a16:creationId xmlns:a16="http://schemas.microsoft.com/office/drawing/2014/main" id="{31643CF7-3FF0-458E-87B3-43E0FD01682E}"/>
+              </a:ext>
+            </a:extLst>
+          </p:cNvPr>
+          <p:cNvSpPr>
+            <a:spLocks noGrp="1"/>
+          </p:cNvSpPr>
+          <p:nvPr>
+            <p:ph type="sldNum" sz="quarter" idx="12"/>
+          </p:nvPr>
+        </p:nvSpPr>
+        <p:spPr/>
+        <p:txBody>
+          <a:bodyPr/>
+          <a:lstStyle/>
+          <a:p>
+            <a:fld id="{6A790173-CFA3-4DF2-B34C-86F46C1FD9D8}" type="slidenum">
+              <a:rPr lang="zh-TW" altLang="en-US" smtClean="0"/>
+              <a:t>22</a:t>
+            </a:fld>
+            <a:endParaRPr lang="zh-TW" altLang="en-US"/>
+          </a:p>
+        </p:txBody>
+      </p:sp>
     </p:spTree>
     <p:extLst>
       <p:ext uri="{BB962C8B-B14F-4D97-AF65-F5344CB8AC3E}">
@@ -6502,6 +7302,35 @@
           <a:bodyPr/>
           <a:lstStyle/>
           <a:p>
+            <a:endParaRPr lang="zh-TW" altLang="en-US"/>
+          </a:p>
+        </p:txBody>
+      </p:sp>
+      <p:sp>
+        <p:nvSpPr>
+          <p:cNvPr id="4" name="投影片編號版面配置區 3">
+            <a:extLst>
+              <a:ext uri="{FF2B5EF4-FFF2-40B4-BE49-F238E27FC236}">
+                <a16:creationId xmlns:a16="http://schemas.microsoft.com/office/drawing/2014/main" id="{C6AFF3FD-C0A4-4F16-8934-E3248BEBB1CC}"/>
+              </a:ext>
+            </a:extLst>
+          </p:cNvPr>
+          <p:cNvSpPr>
+            <a:spLocks noGrp="1"/>
+          </p:cNvSpPr>
+          <p:nvPr>
+            <p:ph type="sldNum" sz="quarter" idx="12"/>
+          </p:nvPr>
+        </p:nvSpPr>
+        <p:spPr/>
+        <p:txBody>
+          <a:bodyPr/>
+          <a:lstStyle/>
+          <a:p>
+            <a:fld id="{6A790173-CFA3-4DF2-B34C-86F46C1FD9D8}" type="slidenum">
+              <a:rPr lang="zh-TW" altLang="en-US" smtClean="0"/>
+              <a:t>23</a:t>
+            </a:fld>
             <a:endParaRPr lang="zh-TW" altLang="en-US"/>
           </a:p>
         </p:txBody>
@@ -6801,6 +7630,35 @@
           </p:sp>
         </mc:Fallback>
       </mc:AlternateContent>
+      <p:sp>
+        <p:nvSpPr>
+          <p:cNvPr id="4" name="投影片編號版面配置區 3">
+            <a:extLst>
+              <a:ext uri="{FF2B5EF4-FFF2-40B4-BE49-F238E27FC236}">
+                <a16:creationId xmlns:a16="http://schemas.microsoft.com/office/drawing/2014/main" id="{25840B56-2A7F-4C86-A2E9-23255B4FCF9A}"/>
+              </a:ext>
+            </a:extLst>
+          </p:cNvPr>
+          <p:cNvSpPr>
+            <a:spLocks noGrp="1"/>
+          </p:cNvSpPr>
+          <p:nvPr>
+            <p:ph type="sldNum" sz="quarter" idx="12"/>
+          </p:nvPr>
+        </p:nvSpPr>
+        <p:spPr/>
+        <p:txBody>
+          <a:bodyPr/>
+          <a:lstStyle/>
+          <a:p>
+            <a:fld id="{6A790173-CFA3-4DF2-B34C-86F46C1FD9D8}" type="slidenum">
+              <a:rPr lang="zh-TW" altLang="en-US" smtClean="0"/>
+              <a:t>3</a:t>
+            </a:fld>
+            <a:endParaRPr lang="zh-TW" altLang="en-US"/>
+          </a:p>
+        </p:txBody>
+      </p:sp>
     </p:spTree>
     <p:extLst>
       <p:ext uri="{BB962C8B-B14F-4D97-AF65-F5344CB8AC3E}">
@@ -7124,6 +7982,35 @@
           </p:sp>
         </mc:Fallback>
       </mc:AlternateContent>
+      <p:sp>
+        <p:nvSpPr>
+          <p:cNvPr id="4" name="投影片編號版面配置區 3">
+            <a:extLst>
+              <a:ext uri="{FF2B5EF4-FFF2-40B4-BE49-F238E27FC236}">
+                <a16:creationId xmlns:a16="http://schemas.microsoft.com/office/drawing/2014/main" id="{6F785EF8-F2AF-4FC8-AC52-FE08B8CFC47F}"/>
+              </a:ext>
+            </a:extLst>
+          </p:cNvPr>
+          <p:cNvSpPr>
+            <a:spLocks noGrp="1"/>
+          </p:cNvSpPr>
+          <p:nvPr>
+            <p:ph type="sldNum" sz="quarter" idx="12"/>
+          </p:nvPr>
+        </p:nvSpPr>
+        <p:spPr/>
+        <p:txBody>
+          <a:bodyPr/>
+          <a:lstStyle/>
+          <a:p>
+            <a:fld id="{6A790173-CFA3-4DF2-B34C-86F46C1FD9D8}" type="slidenum">
+              <a:rPr lang="zh-TW" altLang="en-US" smtClean="0"/>
+              <a:t>4</a:t>
+            </a:fld>
+            <a:endParaRPr lang="zh-TW" altLang="en-US"/>
+          </a:p>
+        </p:txBody>
+      </p:sp>
     </p:spTree>
     <p:extLst>
       <p:ext uri="{BB962C8B-B14F-4D97-AF65-F5344CB8AC3E}">
@@ -7713,6 +8600,35 @@
           </p:sp>
         </mc:Fallback>
       </mc:AlternateContent>
+      <p:sp>
+        <p:nvSpPr>
+          <p:cNvPr id="4" name="投影片編號版面配置區 3">
+            <a:extLst>
+              <a:ext uri="{FF2B5EF4-FFF2-40B4-BE49-F238E27FC236}">
+                <a16:creationId xmlns:a16="http://schemas.microsoft.com/office/drawing/2014/main" id="{FC4B9290-4AFA-406D-9E3A-2B4F00522981}"/>
+              </a:ext>
+            </a:extLst>
+          </p:cNvPr>
+          <p:cNvSpPr>
+            <a:spLocks noGrp="1"/>
+          </p:cNvSpPr>
+          <p:nvPr>
+            <p:ph type="sldNum" sz="quarter" idx="12"/>
+          </p:nvPr>
+        </p:nvSpPr>
+        <p:spPr/>
+        <p:txBody>
+          <a:bodyPr/>
+          <a:lstStyle/>
+          <a:p>
+            <a:fld id="{6A790173-CFA3-4DF2-B34C-86F46C1FD9D8}" type="slidenum">
+              <a:rPr lang="zh-TW" altLang="en-US" smtClean="0"/>
+              <a:t>5</a:t>
+            </a:fld>
+            <a:endParaRPr lang="zh-TW" altLang="en-US"/>
+          </a:p>
+        </p:txBody>
+      </p:sp>
     </p:spTree>
     <p:extLst>
       <p:ext uri="{BB962C8B-B14F-4D97-AF65-F5344CB8AC3E}">
@@ -8299,6 +9215,35 @@
           </p:sp>
         </mc:Fallback>
       </mc:AlternateContent>
+      <p:sp>
+        <p:nvSpPr>
+          <p:cNvPr id="4" name="投影片編號版面配置區 3">
+            <a:extLst>
+              <a:ext uri="{FF2B5EF4-FFF2-40B4-BE49-F238E27FC236}">
+                <a16:creationId xmlns:a16="http://schemas.microsoft.com/office/drawing/2014/main" id="{69DC0550-3F44-4661-B653-98A50AB310E6}"/>
+              </a:ext>
+            </a:extLst>
+          </p:cNvPr>
+          <p:cNvSpPr>
+            <a:spLocks noGrp="1"/>
+          </p:cNvSpPr>
+          <p:nvPr>
+            <p:ph type="sldNum" sz="quarter" idx="12"/>
+          </p:nvPr>
+        </p:nvSpPr>
+        <p:spPr/>
+        <p:txBody>
+          <a:bodyPr/>
+          <a:lstStyle/>
+          <a:p>
+            <a:fld id="{6A790173-CFA3-4DF2-B34C-86F46C1FD9D8}" type="slidenum">
+              <a:rPr lang="zh-TW" altLang="en-US" smtClean="0"/>
+              <a:t>6</a:t>
+            </a:fld>
+            <a:endParaRPr lang="zh-TW" altLang="en-US"/>
+          </a:p>
+        </p:txBody>
+      </p:sp>
     </p:spTree>
     <p:extLst>
       <p:ext uri="{BB962C8B-B14F-4D97-AF65-F5344CB8AC3E}">
@@ -8377,8 +9322,8 @@
           </a:p>
         </p:txBody>
       </p:sp>
-      <mc:AlternateContent xmlns:mc="http://schemas.openxmlformats.org/markup-compatibility/2006">
-        <mc:Choice xmlns:a14="http://schemas.microsoft.com/office/drawing/2010/main" Requires="a14">
+      <mc:AlternateContent xmlns:mc="http://schemas.openxmlformats.org/markup-compatibility/2006" xmlns:a14="http://schemas.microsoft.com/office/drawing/2010/main">
+        <mc:Choice Requires="a14">
           <p:sp>
             <p:nvSpPr>
               <p:cNvPr id="3" name="內容版面配置區 2">
@@ -8954,7 +9899,7 @@
             </p:txBody>
           </p:sp>
         </mc:Choice>
-        <mc:Fallback>
+        <mc:Fallback xmlns="">
           <p:sp>
             <p:nvSpPr>
               <p:cNvPr id="3" name="內容版面配置區 2">
@@ -8998,6 +9943,35 @@
           </p:sp>
         </mc:Fallback>
       </mc:AlternateContent>
+      <p:sp>
+        <p:nvSpPr>
+          <p:cNvPr id="4" name="投影片編號版面配置區 3">
+            <a:extLst>
+              <a:ext uri="{FF2B5EF4-FFF2-40B4-BE49-F238E27FC236}">
+                <a16:creationId xmlns:a16="http://schemas.microsoft.com/office/drawing/2014/main" id="{7DD3375B-9B4C-4074-B873-4B6D8CB3F9A2}"/>
+              </a:ext>
+            </a:extLst>
+          </p:cNvPr>
+          <p:cNvSpPr>
+            <a:spLocks noGrp="1"/>
+          </p:cNvSpPr>
+          <p:nvPr>
+            <p:ph type="sldNum" sz="quarter" idx="12"/>
+          </p:nvPr>
+        </p:nvSpPr>
+        <p:spPr/>
+        <p:txBody>
+          <a:bodyPr/>
+          <a:lstStyle/>
+          <a:p>
+            <a:fld id="{6A790173-CFA3-4DF2-B34C-86F46C1FD9D8}" type="slidenum">
+              <a:rPr lang="zh-TW" altLang="en-US" smtClean="0"/>
+              <a:t>7</a:t>
+            </a:fld>
+            <a:endParaRPr lang="zh-TW" altLang="en-US"/>
+          </a:p>
+        </p:txBody>
+      </p:sp>
     </p:spTree>
     <p:extLst>
       <p:ext uri="{BB962C8B-B14F-4D97-AF65-F5344CB8AC3E}">
@@ -9117,6 +10091,35 @@
           </a:ln>
         </p:spPr>
       </p:pic>
+      <p:sp>
+        <p:nvSpPr>
+          <p:cNvPr id="4" name="投影片編號版面配置區 3">
+            <a:extLst>
+              <a:ext uri="{FF2B5EF4-FFF2-40B4-BE49-F238E27FC236}">
+                <a16:creationId xmlns:a16="http://schemas.microsoft.com/office/drawing/2014/main" id="{06AE6AF7-1CCA-4EA1-9BBF-F721C49E8F36}"/>
+              </a:ext>
+            </a:extLst>
+          </p:cNvPr>
+          <p:cNvSpPr>
+            <a:spLocks noGrp="1"/>
+          </p:cNvSpPr>
+          <p:nvPr>
+            <p:ph type="sldNum" sz="quarter" idx="12"/>
+          </p:nvPr>
+        </p:nvSpPr>
+        <p:spPr/>
+        <p:txBody>
+          <a:bodyPr/>
+          <a:lstStyle/>
+          <a:p>
+            <a:fld id="{6A790173-CFA3-4DF2-B34C-86F46C1FD9D8}" type="slidenum">
+              <a:rPr lang="zh-TW" altLang="en-US" smtClean="0"/>
+              <a:t>8</a:t>
+            </a:fld>
+            <a:endParaRPr lang="zh-TW" altLang="en-US"/>
+          </a:p>
+        </p:txBody>
+      </p:sp>
     </p:spTree>
     <p:extLst>
       <p:ext uri="{BB962C8B-B14F-4D97-AF65-F5344CB8AC3E}">
@@ -9292,6 +10295,35 @@
           </p:spPr>
         </p:pic>
       </p:grpSp>
+      <p:sp>
+        <p:nvSpPr>
+          <p:cNvPr id="4" name="投影片編號版面配置區 3">
+            <a:extLst>
+              <a:ext uri="{FF2B5EF4-FFF2-40B4-BE49-F238E27FC236}">
+                <a16:creationId xmlns:a16="http://schemas.microsoft.com/office/drawing/2014/main" id="{D48E0F06-59D6-4726-AF49-ED9D1250CD8C}"/>
+              </a:ext>
+            </a:extLst>
+          </p:cNvPr>
+          <p:cNvSpPr>
+            <a:spLocks noGrp="1"/>
+          </p:cNvSpPr>
+          <p:nvPr>
+            <p:ph type="sldNum" sz="quarter" idx="12"/>
+          </p:nvPr>
+        </p:nvSpPr>
+        <p:spPr/>
+        <p:txBody>
+          <a:bodyPr/>
+          <a:lstStyle/>
+          <a:p>
+            <a:fld id="{6A790173-CFA3-4DF2-B34C-86F46C1FD9D8}" type="slidenum">
+              <a:rPr lang="zh-TW" altLang="en-US" smtClean="0"/>
+              <a:t>9</a:t>
+            </a:fld>
+            <a:endParaRPr lang="zh-TW" altLang="en-US"/>
+          </a:p>
+        </p:txBody>
+      </p:sp>
     </p:spTree>
     <p:extLst>
       <p:ext uri="{BB962C8B-B14F-4D97-AF65-F5344CB8AC3E}">
@@ -9586,4 +10618,299 @@
     </a:ext>
   </a:extLst>
 </a:theme>
+</file>
+
+<file path=ppt/theme/theme2.xml><?xml version="1.0" encoding="utf-8"?>
+<a:theme xmlns:a="http://schemas.openxmlformats.org/drawingml/2006/main" name="Office 佈景主題">
+  <a:themeElements>
+    <a:clrScheme name="Office">
+      <a:dk1>
+        <a:sysClr val="windowText" lastClr="000000"/>
+      </a:dk1>
+      <a:lt1>
+        <a:sysClr val="window" lastClr="FFFFFF"/>
+      </a:lt1>
+      <a:dk2>
+        <a:srgbClr val="44546A"/>
+      </a:dk2>
+      <a:lt2>
+        <a:srgbClr val="E7E6E6"/>
+      </a:lt2>
+      <a:accent1>
+        <a:srgbClr val="4472C4"/>
+      </a:accent1>
+      <a:accent2>
+        <a:srgbClr val="ED7D31"/>
+      </a:accent2>
+      <a:accent3>
+        <a:srgbClr val="A5A5A5"/>
+      </a:accent3>
+      <a:accent4>
+        <a:srgbClr val="FFC000"/>
+      </a:accent4>
+      <a:accent5>
+        <a:srgbClr val="5B9BD5"/>
+      </a:accent5>
+      <a:accent6>
+        <a:srgbClr val="70AD47"/>
+      </a:accent6>
+      <a:hlink>
+        <a:srgbClr val="0563C1"/>
+      </a:hlink>
+      <a:folHlink>
+        <a:srgbClr val="954F72"/>
+      </a:folHlink>
+    </a:clrScheme>
+    <a:fontScheme name="Office">
+      <a:majorFont>
+        <a:latin typeface="Calibri Light" panose="020F0302020204030204"/>
+        <a:ea typeface=""/>
+        <a:cs typeface=""/>
+        <a:font script="Jpan" typeface="游ゴシック Light"/>
+        <a:font script="Hang" typeface="맑은 고딕"/>
+        <a:font script="Hans" typeface="等线 Light"/>
+        <a:font script="Hant" typeface="新細明體"/>
+        <a:font script="Arab" typeface="Times New Roman"/>
+        <a:font script="Hebr" typeface="Times New Roman"/>
+        <a:font script="Thai" typeface="Angsana New"/>
+        <a:font script="Ethi" typeface="Nyala"/>
+        <a:font script="Beng" typeface="Vrinda"/>
+        <a:font script="Gujr" typeface="Shruti"/>
+        <a:font script="Khmr" typeface="MoolBoran"/>
+        <a:font script="Knda" typeface="Tunga"/>
+        <a:font script="Guru" typeface="Raavi"/>
+        <a:font script="Cans" typeface="Euphemia"/>
+        <a:font script="Cher" typeface="Plantagenet Cherokee"/>
+        <a:font script="Yiii" typeface="Microsoft Yi Baiti"/>
+        <a:font script="Tibt" typeface="Microsoft Himalaya"/>
+        <a:font script="Thaa" typeface="MV Boli"/>
+        <a:font script="Deva" typeface="Mangal"/>
+        <a:font script="Telu" typeface="Gautami"/>
+        <a:font script="Taml" typeface="Latha"/>
+        <a:font script="Syrc" typeface="Estrangelo Edessa"/>
+        <a:font script="Orya" typeface="Kalinga"/>
+        <a:font script="Mlym" typeface="Kartika"/>
+        <a:font script="Laoo" typeface="DokChampa"/>
+        <a:font script="Sinh" typeface="Iskoola Pota"/>
+        <a:font script="Mong" typeface="Mongolian Baiti"/>
+        <a:font script="Viet" typeface="Times New Roman"/>
+        <a:font script="Uigh" typeface="Microsoft Uighur"/>
+        <a:font script="Geor" typeface="Sylfaen"/>
+        <a:font script="Armn" typeface="Arial"/>
+        <a:font script="Bugi" typeface="Leelawadee UI"/>
+        <a:font script="Bopo" typeface="Microsoft JhengHei"/>
+        <a:font script="Java" typeface="Javanese Text"/>
+        <a:font script="Lisu" typeface="Segoe UI"/>
+        <a:font script="Mymr" typeface="Myanmar Text"/>
+        <a:font script="Nkoo" typeface="Ebrima"/>
+        <a:font script="Olck" typeface="Nirmala UI"/>
+        <a:font script="Osma" typeface="Ebrima"/>
+        <a:font script="Phag" typeface="Phagspa"/>
+        <a:font script="Syrn" typeface="Estrangelo Edessa"/>
+        <a:font script="Syrj" typeface="Estrangelo Edessa"/>
+        <a:font script="Syre" typeface="Estrangelo Edessa"/>
+        <a:font script="Sora" typeface="Nirmala UI"/>
+        <a:font script="Tale" typeface="Microsoft Tai Le"/>
+        <a:font script="Talu" typeface="Microsoft New Tai Lue"/>
+        <a:font script="Tfng" typeface="Ebrima"/>
+      </a:majorFont>
+      <a:minorFont>
+        <a:latin typeface="Calibri" panose="020F0502020204030204"/>
+        <a:ea typeface=""/>
+        <a:cs typeface=""/>
+        <a:font script="Jpan" typeface="游ゴシック"/>
+        <a:font script="Hang" typeface="맑은 고딕"/>
+        <a:font script="Hans" typeface="等线"/>
+        <a:font script="Hant" typeface="新細明體"/>
+        <a:font script="Arab" typeface="Arial"/>
+        <a:font script="Hebr" typeface="Arial"/>
+        <a:font script="Thai" typeface="Cordia New"/>
+        <a:font script="Ethi" typeface="Nyala"/>
+        <a:font script="Beng" typeface="Vrinda"/>
+        <a:font script="Gujr" typeface="Shruti"/>
+        <a:font script="Khmr" typeface="DaunPenh"/>
+        <a:font script="Knda" typeface="Tunga"/>
+        <a:font script="Guru" typeface="Raavi"/>
+        <a:font script="Cans" typeface="Euphemia"/>
+        <a:font script="Cher" typeface="Plantagenet Cherokee"/>
+        <a:font script="Yiii" typeface="Microsoft Yi Baiti"/>
+        <a:font script="Tibt" typeface="Microsoft Himalaya"/>
+        <a:font script="Thaa" typeface="MV Boli"/>
+        <a:font script="Deva" typeface="Mangal"/>
+        <a:font script="Telu" typeface="Gautami"/>
+        <a:font script="Taml" typeface="Latha"/>
+        <a:font script="Syrc" typeface="Estrangelo Edessa"/>
+        <a:font script="Orya" typeface="Kalinga"/>
+        <a:font script="Mlym" typeface="Kartika"/>
+        <a:font script="Laoo" typeface="DokChampa"/>
+        <a:font script="Sinh" typeface="Iskoola Pota"/>
+        <a:font script="Mong" typeface="Mongolian Baiti"/>
+        <a:font script="Viet" typeface="Arial"/>
+        <a:font script="Uigh" typeface="Microsoft Uighur"/>
+        <a:font script="Geor" typeface="Sylfaen"/>
+        <a:font script="Armn" typeface="Arial"/>
+        <a:font script="Bugi" typeface="Leelawadee UI"/>
+        <a:font script="Bopo" typeface="Microsoft JhengHei"/>
+        <a:font script="Java" typeface="Javanese Text"/>
+        <a:font script="Lisu" typeface="Segoe UI"/>
+        <a:font script="Mymr" typeface="Myanmar Text"/>
+        <a:font script="Nkoo" typeface="Ebrima"/>
+        <a:font script="Olck" typeface="Nirmala UI"/>
+        <a:font script="Osma" typeface="Ebrima"/>
+        <a:font script="Phag" typeface="Phagspa"/>
+        <a:font script="Syrn" typeface="Estrangelo Edessa"/>
+        <a:font script="Syrj" typeface="Estrangelo Edessa"/>
+        <a:font script="Syre" typeface="Estrangelo Edessa"/>
+        <a:font script="Sora" typeface="Nirmala UI"/>
+        <a:font script="Tale" typeface="Microsoft Tai Le"/>
+        <a:font script="Talu" typeface="Microsoft New Tai Lue"/>
+        <a:font script="Tfng" typeface="Ebrima"/>
+      </a:minorFont>
+    </a:fontScheme>
+    <a:fmtScheme name="Office">
+      <a:fillStyleLst>
+        <a:solidFill>
+          <a:schemeClr val="phClr"/>
+        </a:solidFill>
+        <a:gradFill rotWithShape="1">
+          <a:gsLst>
+            <a:gs pos="0">
+              <a:schemeClr val="phClr">
+                <a:lumMod val="110000"/>
+                <a:satMod val="105000"/>
+                <a:tint val="67000"/>
+              </a:schemeClr>
+            </a:gs>
+            <a:gs pos="50000">
+              <a:schemeClr val="phClr">
+                <a:lumMod val="105000"/>
+                <a:satMod val="103000"/>
+                <a:tint val="73000"/>
+              </a:schemeClr>
+            </a:gs>
+            <a:gs pos="100000">
+              <a:schemeClr val="phClr">
+                <a:lumMod val="105000"/>
+                <a:satMod val="109000"/>
+                <a:tint val="81000"/>
+              </a:schemeClr>
+            </a:gs>
+          </a:gsLst>
+          <a:lin ang="5400000" scaled="0"/>
+        </a:gradFill>
+        <a:gradFill rotWithShape="1">
+          <a:gsLst>
+            <a:gs pos="0">
+              <a:schemeClr val="phClr">
+                <a:satMod val="103000"/>
+                <a:lumMod val="102000"/>
+                <a:tint val="94000"/>
+              </a:schemeClr>
+            </a:gs>
+            <a:gs pos="50000">
+              <a:schemeClr val="phClr">
+                <a:satMod val="110000"/>
+                <a:lumMod val="100000"/>
+                <a:shade val="100000"/>
+              </a:schemeClr>
+            </a:gs>
+            <a:gs pos="100000">
+              <a:schemeClr val="phClr">
+                <a:lumMod val="99000"/>
+                <a:satMod val="120000"/>
+                <a:shade val="78000"/>
+              </a:schemeClr>
+            </a:gs>
+          </a:gsLst>
+          <a:lin ang="5400000" scaled="0"/>
+        </a:gradFill>
+      </a:fillStyleLst>
+      <a:lnStyleLst>
+        <a:ln w="6350" cap="flat" cmpd="sng" algn="ctr">
+          <a:solidFill>
+            <a:schemeClr val="phClr"/>
+          </a:solidFill>
+          <a:prstDash val="solid"/>
+          <a:miter lim="800000"/>
+        </a:ln>
+        <a:ln w="12700" cap="flat" cmpd="sng" algn="ctr">
+          <a:solidFill>
+            <a:schemeClr val="phClr"/>
+          </a:solidFill>
+          <a:prstDash val="solid"/>
+          <a:miter lim="800000"/>
+        </a:ln>
+        <a:ln w="19050" cap="flat" cmpd="sng" algn="ctr">
+          <a:solidFill>
+            <a:schemeClr val="phClr"/>
+          </a:solidFill>
+          <a:prstDash val="solid"/>
+          <a:miter lim="800000"/>
+        </a:ln>
+      </a:lnStyleLst>
+      <a:effectStyleLst>
+        <a:effectStyle>
+          <a:effectLst/>
+        </a:effectStyle>
+        <a:effectStyle>
+          <a:effectLst/>
+        </a:effectStyle>
+        <a:effectStyle>
+          <a:effectLst>
+            <a:outerShdw blurRad="57150" dist="19050" dir="5400000" algn="ctr" rotWithShape="0">
+              <a:srgbClr val="000000">
+                <a:alpha val="63000"/>
+              </a:srgbClr>
+            </a:outerShdw>
+          </a:effectLst>
+        </a:effectStyle>
+      </a:effectStyleLst>
+      <a:bgFillStyleLst>
+        <a:solidFill>
+          <a:schemeClr val="phClr"/>
+        </a:solidFill>
+        <a:solidFill>
+          <a:schemeClr val="phClr">
+            <a:tint val="95000"/>
+            <a:satMod val="170000"/>
+          </a:schemeClr>
+        </a:solidFill>
+        <a:gradFill rotWithShape="1">
+          <a:gsLst>
+            <a:gs pos="0">
+              <a:schemeClr val="phClr">
+                <a:tint val="93000"/>
+                <a:satMod val="150000"/>
+                <a:shade val="98000"/>
+                <a:lumMod val="102000"/>
+              </a:schemeClr>
+            </a:gs>
+            <a:gs pos="50000">
+              <a:schemeClr val="phClr">
+                <a:tint val="98000"/>
+                <a:satMod val="130000"/>
+                <a:shade val="90000"/>
+                <a:lumMod val="103000"/>
+              </a:schemeClr>
+            </a:gs>
+            <a:gs pos="100000">
+              <a:schemeClr val="phClr">
+                <a:shade val="63000"/>
+                <a:satMod val="120000"/>
+              </a:schemeClr>
+            </a:gs>
+          </a:gsLst>
+          <a:lin ang="5400000" scaled="0"/>
+        </a:gradFill>
+      </a:bgFillStyleLst>
+    </a:fmtScheme>
+  </a:themeElements>
+  <a:objectDefaults/>
+  <a:extraClrSchemeLst/>
+  <a:extLst>
+    <a:ext uri="{05A4C25C-085E-4340-85A3-A5531E510DB2}">
+      <thm15:themeFamily xmlns:thm15="http://schemas.microsoft.com/office/thememl/2012/main" name="Office Theme" id="{62F939B6-93AF-4DB8-9C6B-D6C7DFDC589F}" vid="{4A3C46E8-61CC-4603-A589-7422A47A8E4A}"/>
+    </a:ext>
+  </a:extLst>
+</a:theme>
 </file>